--- a/Presentation/presentation.pptx
+++ b/Presentation/presentation.pptx
@@ -6,13 +6,15 @@
     <p:sldMasterId id="2147483671" r:id="rId2"/>
   </p:sldMasterIdLst>
   <p:notesMasterIdLst>
-    <p:notesMasterId r:id="rId7"/>
+    <p:notesMasterId r:id="rId9"/>
   </p:notesMasterIdLst>
   <p:sldIdLst>
     <p:sldId id="256" r:id="rId3"/>
     <p:sldId id="257" r:id="rId4"/>
     <p:sldId id="259" r:id="rId5"/>
-    <p:sldId id="258" r:id="rId6"/>
+    <p:sldId id="260" r:id="rId6"/>
+    <p:sldId id="261" r:id="rId7"/>
+    <p:sldId id="258" r:id="rId8"/>
   </p:sldIdLst>
   <p:sldSz cx="9144000" cy="6858000" type="screen4x3"/>
   <p:notesSz cx="6858000" cy="9144000"/>
@@ -19280,6 +19282,194 @@
 </file>
 
 <file path=ppt/slides/slide4.xml><?xml version="1.0" encoding="utf-8"?>
+<p:sld xmlns:a="http://schemas.openxmlformats.org/drawingml/2006/main" xmlns:r="http://schemas.openxmlformats.org/officeDocument/2006/relationships" xmlns:p="http://schemas.openxmlformats.org/presentationml/2006/main">
+  <p:cSld>
+    <p:spTree>
+      <p:nvGrpSpPr>
+        <p:cNvPr id="1" name=""/>
+        <p:cNvGrpSpPr/>
+        <p:nvPr/>
+      </p:nvGrpSpPr>
+      <p:grpSpPr>
+        <a:xfrm>
+          <a:off x="0" y="0"/>
+          <a:ext cx="0" cy="0"/>
+          <a:chOff x="0" y="0"/>
+          <a:chExt cx="0" cy="0"/>
+        </a:xfrm>
+      </p:grpSpPr>
+      <p:sp>
+        <p:nvSpPr>
+          <p:cNvPr id="2" name="Title 1">
+            <a:extLst>
+              <a:ext uri="{FF2B5EF4-FFF2-40B4-BE49-F238E27FC236}">
+                <a16:creationId xmlns:a16="http://schemas.microsoft.com/office/drawing/2014/main" id="{9751028D-56BC-46EB-BE11-C07E253F109A}"/>
+              </a:ext>
+            </a:extLst>
+          </p:cNvPr>
+          <p:cNvSpPr>
+            <a:spLocks noGrp="1"/>
+          </p:cNvSpPr>
+          <p:nvPr>
+            <p:ph type="title"/>
+          </p:nvPr>
+        </p:nvSpPr>
+        <p:spPr>
+          <a:xfrm>
+            <a:off x="1002885" y="6107699"/>
+            <a:ext cx="7831626" cy="508000"/>
+          </a:xfrm>
+        </p:spPr>
+        <p:txBody>
+          <a:bodyPr/>
+          <a:lstStyle/>
+          <a:p>
+            <a:pPr algn="ctr"/>
+            <a:r>
+              <a:rPr lang="en-US" dirty="0"/>
+              <a:t>CONCEPTUAL MODEL</a:t>
+            </a:r>
+          </a:p>
+        </p:txBody>
+      </p:sp>
+      <p:pic>
+        <p:nvPicPr>
+          <p:cNvPr id="5" name="Picture 4" descr="Diagram&#10;&#10;Description automatically generated">
+            <a:extLst>
+              <a:ext uri="{FF2B5EF4-FFF2-40B4-BE49-F238E27FC236}">
+                <a16:creationId xmlns:a16="http://schemas.microsoft.com/office/drawing/2014/main" id="{639EB8FE-5448-413F-ABB9-065A54DCD008}"/>
+              </a:ext>
+            </a:extLst>
+          </p:cNvPr>
+          <p:cNvPicPr>
+            <a:picLocks noChangeAspect="1"/>
+          </p:cNvPicPr>
+          <p:nvPr/>
+        </p:nvPicPr>
+        <p:blipFill>
+          <a:blip r:embed="rId2"/>
+          <a:stretch>
+            <a:fillRect/>
+          </a:stretch>
+        </p:blipFill>
+        <p:spPr>
+          <a:xfrm>
+            <a:off x="0" y="0"/>
+            <a:ext cx="9144000" cy="5887305"/>
+          </a:xfrm>
+          <a:prstGeom prst="rect">
+            <a:avLst/>
+          </a:prstGeom>
+        </p:spPr>
+      </p:pic>
+    </p:spTree>
+    <p:extLst>
+      <p:ext uri="{BB962C8B-B14F-4D97-AF65-F5344CB8AC3E}">
+        <p14:creationId xmlns:p14="http://schemas.microsoft.com/office/powerpoint/2010/main" val="558005611"/>
+      </p:ext>
+    </p:extLst>
+  </p:cSld>
+  <p:clrMapOvr>
+    <a:masterClrMapping/>
+  </p:clrMapOvr>
+</p:sld>
+</file>
+
+<file path=ppt/slides/slide5.xml><?xml version="1.0" encoding="utf-8"?>
+<p:sld xmlns:a="http://schemas.openxmlformats.org/drawingml/2006/main" xmlns:r="http://schemas.openxmlformats.org/officeDocument/2006/relationships" xmlns:p="http://schemas.openxmlformats.org/presentationml/2006/main">
+  <p:cSld>
+    <p:spTree>
+      <p:nvGrpSpPr>
+        <p:cNvPr id="1" name=""/>
+        <p:cNvGrpSpPr/>
+        <p:nvPr/>
+      </p:nvGrpSpPr>
+      <p:grpSpPr>
+        <a:xfrm>
+          <a:off x="0" y="0"/>
+          <a:ext cx="0" cy="0"/>
+          <a:chOff x="0" y="0"/>
+          <a:chExt cx="0" cy="0"/>
+        </a:xfrm>
+      </p:grpSpPr>
+      <p:sp>
+        <p:nvSpPr>
+          <p:cNvPr id="2" name="Title 1">
+            <a:extLst>
+              <a:ext uri="{FF2B5EF4-FFF2-40B4-BE49-F238E27FC236}">
+                <a16:creationId xmlns:a16="http://schemas.microsoft.com/office/drawing/2014/main" id="{9FD9E52B-E6E4-4128-BEF4-DD26F8BBE216}"/>
+              </a:ext>
+            </a:extLst>
+          </p:cNvPr>
+          <p:cNvSpPr>
+            <a:spLocks noGrp="1"/>
+          </p:cNvSpPr>
+          <p:nvPr>
+            <p:ph type="title"/>
+          </p:nvPr>
+        </p:nvSpPr>
+        <p:spPr>
+          <a:xfrm>
+            <a:off x="1115427" y="6350000"/>
+            <a:ext cx="7416800" cy="508000"/>
+          </a:xfrm>
+        </p:spPr>
+        <p:txBody>
+          <a:bodyPr/>
+          <a:lstStyle/>
+          <a:p>
+            <a:pPr algn="ctr"/>
+            <a:r>
+              <a:rPr lang="en-US" sz="3200" dirty="0"/>
+              <a:t>LOGICAL MODEL</a:t>
+            </a:r>
+          </a:p>
+        </p:txBody>
+      </p:sp>
+      <p:pic>
+        <p:nvPicPr>
+          <p:cNvPr id="5" name="Picture 4" descr="Diagram&#10;&#10;Description automatically generated">
+            <a:extLst>
+              <a:ext uri="{FF2B5EF4-FFF2-40B4-BE49-F238E27FC236}">
+                <a16:creationId xmlns:a16="http://schemas.microsoft.com/office/drawing/2014/main" id="{161916B3-4573-49DC-BB51-F116CA9BAD75}"/>
+              </a:ext>
+            </a:extLst>
+          </p:cNvPr>
+          <p:cNvPicPr>
+            <a:picLocks noChangeAspect="1"/>
+          </p:cNvPicPr>
+          <p:nvPr/>
+        </p:nvPicPr>
+        <p:blipFill>
+          <a:blip r:embed="rId2"/>
+          <a:stretch>
+            <a:fillRect/>
+          </a:stretch>
+        </p:blipFill>
+        <p:spPr>
+          <a:xfrm>
+            <a:off x="-112542" y="0"/>
+            <a:ext cx="9256542" cy="6340016"/>
+          </a:xfrm>
+          <a:prstGeom prst="rect">
+            <a:avLst/>
+          </a:prstGeom>
+        </p:spPr>
+      </p:pic>
+    </p:spTree>
+    <p:extLst>
+      <p:ext uri="{BB962C8B-B14F-4D97-AF65-F5344CB8AC3E}">
+        <p14:creationId xmlns:p14="http://schemas.microsoft.com/office/powerpoint/2010/main" val="1984510177"/>
+      </p:ext>
+    </p:extLst>
+  </p:cSld>
+  <p:clrMapOvr>
+    <a:masterClrMapping/>
+  </p:clrMapOvr>
+</p:sld>
+</file>
+
+<file path=ppt/slides/slide6.xml><?xml version="1.0" encoding="utf-8"?>
 <p:sld xmlns:a="http://schemas.openxmlformats.org/drawingml/2006/main" xmlns:r="http://schemas.openxmlformats.org/officeDocument/2006/relationships" xmlns:p="http://schemas.openxmlformats.org/presentationml/2006/main">
   <p:cSld>
     <p:spTree>

--- a/Presentation/presentation.pptx
+++ b/Presentation/presentation.pptx
@@ -19224,6 +19224,35 @@
               </a:rPr>
               <a:t>STAFF (Lecturers, Instructors)</a:t>
             </a:r>
+          </a:p>
+          <a:p>
+            <a:pPr marL="1257300" lvl="2" algn="just">
+              <a:lnSpc>
+                <a:spcPct val="107000"/>
+              </a:lnSpc>
+              <a:spcBef>
+                <a:spcPts val="0"/>
+              </a:spcBef>
+              <a:spcAft>
+                <a:spcPts val="800"/>
+              </a:spcAft>
+            </a:pPr>
+            <a:r>
+              <a:rPr lang="en-US" sz="1800" b="1" i="0" u="none" strike="noStrike">
+                <a:solidFill>
+                  <a:srgbClr val="000000"/>
+                </a:solidFill>
+                <a:effectLst/>
+                <a:latin typeface="Calibri" panose="020F0502020204030204" pitchFamily="34" charset="0"/>
+              </a:rPr>
+              <a:t>Manage the process of internship allocation by linking the Companies and Students and recommending, guiding and reviewing.</a:t>
+            </a:r>
+            <a:endParaRPr lang="en-US" sz="2000" b="1" dirty="0">
+              <a:effectLst/>
+              <a:latin typeface="Calibri" panose="020F0502020204030204" pitchFamily="34" charset="0"/>
+              <a:ea typeface="Calibri" panose="020F0502020204030204" pitchFamily="34" charset="0"/>
+              <a:cs typeface="Times New Roman" panose="02020603050405020304" pitchFamily="18" charset="0"/>
+            </a:endParaRPr>
           </a:p>
           <a:p>
             <a:pPr marL="1257300" lvl="2" algn="just">
